--- a/Mod5 Presentation.pptx
+++ b/Mod5 Presentation.pptx
@@ -115,6 +115,11 @@
       </a:defRPr>
     </a:lvl9pPr>
   </p:defaultTextStyle>
+  <p:extLst>
+    <p:ext uri="{EFAFB233-063F-42B5-8137-9DF3F51BA10A}">
+      <p15:sldGuideLst xmlns:p15="http://schemas.microsoft.com/office/powerpoint/2012/main"/>
+    </p:ext>
+  </p:extLst>
 </p:presentation>
 </file>
 
@@ -1164,17 +1169,17 @@
     </dgm:pt>
   </dgm:ptLst>
   <dgm:cxnLst>
-    <dgm:cxn modelId="{21287142-8C3D-46FA-BD1F-A23561AC2CAF}" type="presOf" srcId="{BBF6E3D3-DC95-4771-9D8E-D81DD43A3C58}" destId="{D18EDF23-AC69-4B79-9821-CE07E34E680E}" srcOrd="0" destOrd="0" presId="urn:microsoft.com/office/officeart/2005/8/layout/process1"/>
+    <dgm:cxn modelId="{033E3CCD-6C5D-46E4-98B2-4B6C8C842834}" type="presOf" srcId="{69D6E42B-1B0F-4342-80B7-57D438E35AB0}" destId="{3016E805-C0F0-4647-8264-1685B786B08C}" srcOrd="0" destOrd="0" presId="urn:microsoft.com/office/officeart/2005/8/layout/process1"/>
+    <dgm:cxn modelId="{28412C1C-0BB4-43A7-B371-2554CE95DA67}" type="presOf" srcId="{1F123CF7-945B-4C66-B012-66900E32DD8B}" destId="{BF0885EB-4257-4EE8-B473-FA9A2F35F41C}" srcOrd="0" destOrd="0" presId="urn:microsoft.com/office/officeart/2005/8/layout/process1"/>
+    <dgm:cxn modelId="{82969947-048D-4E98-90CA-72EF578262CE}" type="presOf" srcId="{1F123CF7-945B-4C66-B012-66900E32DD8B}" destId="{E80891F4-C6E5-450D-8BC4-072D0BEA9475}" srcOrd="1" destOrd="0" presId="urn:microsoft.com/office/officeart/2005/8/layout/process1"/>
+    <dgm:cxn modelId="{3D50D40C-042C-48F7-9278-1D92AF5482FE}" type="presOf" srcId="{95755F91-CF97-40FC-A6B3-BA5F105203BD}" destId="{F37119F0-DF4E-41FD-84B8-1DAC6790FB14}" srcOrd="0" destOrd="0" presId="urn:microsoft.com/office/officeart/2005/8/layout/process1"/>
+    <dgm:cxn modelId="{2A38B1E7-9482-4294-8423-1366B28E9F7B}" type="presOf" srcId="{95755F91-CF97-40FC-A6B3-BA5F105203BD}" destId="{ABE12A49-7FAA-4E0A-A802-09CB5DE1835D}" srcOrd="1" destOrd="0" presId="urn:microsoft.com/office/officeart/2005/8/layout/process1"/>
     <dgm:cxn modelId="{7B145AD1-1E7E-4A59-AB7F-0C1D586B2CF1}" type="presOf" srcId="{37644AFA-1A9A-430D-A005-704D1DC07BD3}" destId="{B71B9DFD-EE61-4F63-8DD1-297B53029095}" srcOrd="0" destOrd="0" presId="urn:microsoft.com/office/officeart/2005/8/layout/process1"/>
-    <dgm:cxn modelId="{3D50D40C-042C-48F7-9278-1D92AF5482FE}" type="presOf" srcId="{95755F91-CF97-40FC-A6B3-BA5F105203BD}" destId="{F37119F0-DF4E-41FD-84B8-1DAC6790FB14}" srcOrd="0" destOrd="0" presId="urn:microsoft.com/office/officeart/2005/8/layout/process1"/>
+    <dgm:cxn modelId="{DDF976B0-3BC0-422B-B1FA-9BAAC0DA4E71}" type="presOf" srcId="{BBC17571-F5AE-497F-A0AA-DA3BAFA44DD4}" destId="{BB10563F-9B2F-48EE-AD44-15E02F0D28D2}" srcOrd="0" destOrd="0" presId="urn:microsoft.com/office/officeart/2005/8/layout/process1"/>
+    <dgm:cxn modelId="{22AF997C-7606-4357-A6B0-D6FAE48053E8}" srcId="{BBC17571-F5AE-497F-A0AA-DA3BAFA44DD4}" destId="{BBF6E3D3-DC95-4771-9D8E-D81DD43A3C58}" srcOrd="1" destOrd="0" parTransId="{F2773D0F-3C07-49A8-9EDB-0F99CA19B5D5}" sibTransId="{95755F91-CF97-40FC-A6B3-BA5F105203BD}"/>
     <dgm:cxn modelId="{0B00B60A-B538-4550-9448-4B133B6F8A80}" srcId="{BBC17571-F5AE-497F-A0AA-DA3BAFA44DD4}" destId="{69D6E42B-1B0F-4342-80B7-57D438E35AB0}" srcOrd="2" destOrd="0" parTransId="{432A5F44-4A4D-4BE6-B6C3-4F3D804511D8}" sibTransId="{A6B183EF-D6BF-4B27-B375-6CE4CD1BF4D1}"/>
     <dgm:cxn modelId="{DC8B85D6-DF95-4098-83A4-D35BF6F23FE6}" srcId="{BBC17571-F5AE-497F-A0AA-DA3BAFA44DD4}" destId="{37644AFA-1A9A-430D-A005-704D1DC07BD3}" srcOrd="0" destOrd="0" parTransId="{63EB6902-D4DF-4C3A-9B48-2E4B90F375F2}" sibTransId="{1F123CF7-945B-4C66-B012-66900E32DD8B}"/>
-    <dgm:cxn modelId="{28412C1C-0BB4-43A7-B371-2554CE95DA67}" type="presOf" srcId="{1F123CF7-945B-4C66-B012-66900E32DD8B}" destId="{BF0885EB-4257-4EE8-B473-FA9A2F35F41C}" srcOrd="0" destOrd="0" presId="urn:microsoft.com/office/officeart/2005/8/layout/process1"/>
-    <dgm:cxn modelId="{2A38B1E7-9482-4294-8423-1366B28E9F7B}" type="presOf" srcId="{95755F91-CF97-40FC-A6B3-BA5F105203BD}" destId="{ABE12A49-7FAA-4E0A-A802-09CB5DE1835D}" srcOrd="1" destOrd="0" presId="urn:microsoft.com/office/officeart/2005/8/layout/process1"/>
-    <dgm:cxn modelId="{82969947-048D-4E98-90CA-72EF578262CE}" type="presOf" srcId="{1F123CF7-945B-4C66-B012-66900E32DD8B}" destId="{E80891F4-C6E5-450D-8BC4-072D0BEA9475}" srcOrd="1" destOrd="0" presId="urn:microsoft.com/office/officeart/2005/8/layout/process1"/>
-    <dgm:cxn modelId="{033E3CCD-6C5D-46E4-98B2-4B6C8C842834}" type="presOf" srcId="{69D6E42B-1B0F-4342-80B7-57D438E35AB0}" destId="{3016E805-C0F0-4647-8264-1685B786B08C}" srcOrd="0" destOrd="0" presId="urn:microsoft.com/office/officeart/2005/8/layout/process1"/>
-    <dgm:cxn modelId="{22AF997C-7606-4357-A6B0-D6FAE48053E8}" srcId="{BBC17571-F5AE-497F-A0AA-DA3BAFA44DD4}" destId="{BBF6E3D3-DC95-4771-9D8E-D81DD43A3C58}" srcOrd="1" destOrd="0" parTransId="{F2773D0F-3C07-49A8-9EDB-0F99CA19B5D5}" sibTransId="{95755F91-CF97-40FC-A6B3-BA5F105203BD}"/>
-    <dgm:cxn modelId="{DDF976B0-3BC0-422B-B1FA-9BAAC0DA4E71}" type="presOf" srcId="{BBC17571-F5AE-497F-A0AA-DA3BAFA44DD4}" destId="{BB10563F-9B2F-48EE-AD44-15E02F0D28D2}" srcOrd="0" destOrd="0" presId="urn:microsoft.com/office/officeart/2005/8/layout/process1"/>
+    <dgm:cxn modelId="{21287142-8C3D-46FA-BD1F-A23561AC2CAF}" type="presOf" srcId="{BBF6E3D3-DC95-4771-9D8E-D81DD43A3C58}" destId="{D18EDF23-AC69-4B79-9821-CE07E34E680E}" srcOrd="0" destOrd="0" presId="urn:microsoft.com/office/officeart/2005/8/layout/process1"/>
     <dgm:cxn modelId="{5FB56663-334D-44D0-A458-ABB4D679715A}" type="presParOf" srcId="{BB10563F-9B2F-48EE-AD44-15E02F0D28D2}" destId="{B71B9DFD-EE61-4F63-8DD1-297B53029095}" srcOrd="0" destOrd="0" presId="urn:microsoft.com/office/officeart/2005/8/layout/process1"/>
     <dgm:cxn modelId="{27C7D5B5-5B29-488C-A856-359C798950AD}" type="presParOf" srcId="{BB10563F-9B2F-48EE-AD44-15E02F0D28D2}" destId="{BF0885EB-4257-4EE8-B473-FA9A2F35F41C}" srcOrd="1" destOrd="0" presId="urn:microsoft.com/office/officeart/2005/8/layout/process1"/>
     <dgm:cxn modelId="{48FFAA28-CB6C-4AAD-A392-9BFDA687EDF4}" type="presParOf" srcId="{BF0885EB-4257-4EE8-B473-FA9A2F35F41C}" destId="{E80891F4-C6E5-450D-8BC4-072D0BEA9475}" srcOrd="0" destOrd="0" presId="urn:microsoft.com/office/officeart/2005/8/layout/process1"/>
@@ -3513,7 +3518,7 @@
             <a:fld id="{B61BEF0D-F0BB-DE4B-95CE-6DB70DBA9567}" type="datetimeFigureOut">
               <a:rPr lang="en-US" dirty="0"/>
               <a:pPr/>
-              <a:t>12/19/2020</a:t>
+              <a:t>12/21/2020</a:t>
             </a:fld>
             <a:endParaRPr lang="en-US" dirty="0"/>
           </a:p>
@@ -3761,7 +3766,7 @@
             <a:fld id="{B61BEF0D-F0BB-DE4B-95CE-6DB70DBA9567}" type="datetimeFigureOut">
               <a:rPr lang="en-US" dirty="0"/>
               <a:pPr/>
-              <a:t>12/19/2020</a:t>
+              <a:t>12/21/2020</a:t>
             </a:fld>
             <a:endParaRPr lang="en-US" dirty="0"/>
           </a:p>
@@ -4072,7 +4077,7 @@
             <a:fld id="{B61BEF0D-F0BB-DE4B-95CE-6DB70DBA9567}" type="datetimeFigureOut">
               <a:rPr lang="en-US" dirty="0"/>
               <a:pPr/>
-              <a:t>12/19/2020</a:t>
+              <a:t>12/21/2020</a:t>
             </a:fld>
             <a:endParaRPr lang="en-US" dirty="0"/>
           </a:p>
@@ -4410,7 +4415,7 @@
             <a:fld id="{B61BEF0D-F0BB-DE4B-95CE-6DB70DBA9567}" type="datetimeFigureOut">
               <a:rPr lang="en-US" dirty="0"/>
               <a:pPr/>
-              <a:t>12/19/2020</a:t>
+              <a:t>12/21/2020</a:t>
             </a:fld>
             <a:endParaRPr lang="en-US" dirty="0"/>
           </a:p>
@@ -4721,7 +4726,7 @@
             <a:fld id="{B61BEF0D-F0BB-DE4B-95CE-6DB70DBA9567}" type="datetimeFigureOut">
               <a:rPr lang="en-US" dirty="0"/>
               <a:pPr/>
-              <a:t>12/19/2020</a:t>
+              <a:t>12/21/2020</a:t>
             </a:fld>
             <a:endParaRPr lang="en-US" dirty="0"/>
           </a:p>
@@ -5111,7 +5116,7 @@
             <a:fld id="{B61BEF0D-F0BB-DE4B-95CE-6DB70DBA9567}" type="datetimeFigureOut">
               <a:rPr lang="en-US" dirty="0"/>
               <a:pPr/>
-              <a:t>12/19/2020</a:t>
+              <a:t>12/21/2020</a:t>
             </a:fld>
             <a:endParaRPr lang="en-US" dirty="0"/>
           </a:p>
@@ -5277,7 +5282,7 @@
           <a:p>
             <a:fld id="{55C6B4A9-1611-4792-9094-5F34BCA07E0B}" type="datetimeFigureOut">
               <a:rPr lang="en-US" dirty="0"/>
-              <a:t>12/19/2020</a:t>
+              <a:t>12/21/2020</a:t>
             </a:fld>
             <a:endParaRPr lang="en-US" dirty="0"/>
           </a:p>
@@ -5453,7 +5458,7 @@
             <a:fld id="{B61BEF0D-F0BB-DE4B-95CE-6DB70DBA9567}" type="datetimeFigureOut">
               <a:rPr lang="en-US" dirty="0"/>
               <a:pPr/>
-              <a:t>12/19/2020</a:t>
+              <a:t>12/21/2020</a:t>
             </a:fld>
             <a:endParaRPr lang="en-US" dirty="0"/>
           </a:p>
@@ -5626,7 +5631,7 @@
             <a:fld id="{B61BEF0D-F0BB-DE4B-95CE-6DB70DBA9567}" type="datetimeFigureOut">
               <a:rPr lang="en-US" dirty="0"/>
               <a:pPr/>
-              <a:t>12/19/2020</a:t>
+              <a:t>12/21/2020</a:t>
             </a:fld>
             <a:endParaRPr lang="en-US" dirty="0"/>
           </a:p>
@@ -5870,7 +5875,7 @@
             <a:fld id="{B61BEF0D-F0BB-DE4B-95CE-6DB70DBA9567}" type="datetimeFigureOut">
               <a:rPr lang="en-US" dirty="0"/>
               <a:pPr/>
-              <a:t>12/19/2020</a:t>
+              <a:t>12/21/2020</a:t>
             </a:fld>
             <a:endParaRPr lang="en-US" dirty="0"/>
           </a:p>
@@ -6098,7 +6103,7 @@
           <a:p>
             <a:fld id="{EB712588-04B1-427B-82EE-E8DB90309F08}" type="datetimeFigureOut">
               <a:rPr lang="en-US" dirty="0"/>
-              <a:t>12/19/2020</a:t>
+              <a:t>12/21/2020</a:t>
             </a:fld>
             <a:endParaRPr lang="en-US" dirty="0"/>
           </a:p>
@@ -6468,7 +6473,7 @@
             <a:fld id="{B61BEF0D-F0BB-DE4B-95CE-6DB70DBA9567}" type="datetimeFigureOut">
               <a:rPr lang="en-US" dirty="0"/>
               <a:pPr/>
-              <a:t>12/19/2020</a:t>
+              <a:t>12/21/2020</a:t>
             </a:fld>
             <a:endParaRPr lang="en-US" dirty="0"/>
           </a:p>
@@ -6588,7 +6593,7 @@
             <a:fld id="{B61BEF0D-F0BB-DE4B-95CE-6DB70DBA9567}" type="datetimeFigureOut">
               <a:rPr lang="en-US" dirty="0"/>
               <a:pPr/>
-              <a:t>12/19/2020</a:t>
+              <a:t>12/21/2020</a:t>
             </a:fld>
             <a:endParaRPr lang="en-US" dirty="0"/>
           </a:p>
@@ -6680,7 +6685,7 @@
             <a:fld id="{B61BEF0D-F0BB-DE4B-95CE-6DB70DBA9567}" type="datetimeFigureOut">
               <a:rPr lang="en-US" dirty="0"/>
               <a:pPr/>
-              <a:t>12/19/2020</a:t>
+              <a:t>12/21/2020</a:t>
             </a:fld>
             <a:endParaRPr lang="en-US" dirty="0"/>
           </a:p>
@@ -6931,7 +6936,7 @@
           <a:p>
             <a:fld id="{42A54C80-263E-416B-A8E0-580EDEADCBDC}" type="datetimeFigureOut">
               <a:rPr lang="en-US" dirty="0"/>
-              <a:t>12/19/2020</a:t>
+              <a:t>12/21/2020</a:t>
             </a:fld>
             <a:endParaRPr lang="en-US" dirty="0"/>
           </a:p>
@@ -7190,7 +7195,7 @@
             <a:fld id="{B61BEF0D-F0BB-DE4B-95CE-6DB70DBA9567}" type="datetimeFigureOut">
               <a:rPr lang="en-US" dirty="0"/>
               <a:pPr/>
-              <a:t>12/19/2020</a:t>
+              <a:t>12/21/2020</a:t>
             </a:fld>
             <a:endParaRPr lang="en-US" dirty="0"/>
           </a:p>
@@ -7930,7 +7935,7 @@
             <a:fld id="{B61BEF0D-F0BB-DE4B-95CE-6DB70DBA9567}" type="datetimeFigureOut">
               <a:rPr lang="en-US" dirty="0"/>
               <a:pPr/>
-              <a:t>12/19/2020</a:t>
+              <a:t>12/21/2020</a:t>
             </a:fld>
             <a:endParaRPr lang="en-US" dirty="0"/>
           </a:p>
@@ -9819,7 +9824,19 @@
           <a:p>
             <a:r>
               <a:rPr lang="en-US" dirty="0" smtClean="0"/>
-              <a:t>To find out what make a song popular on Spotify. </a:t>
+              <a:t>To find out </a:t>
+            </a:r>
+            <a:r>
+              <a:rPr lang="en-US" smtClean="0"/>
+              <a:t>what </a:t>
+            </a:r>
+            <a:r>
+              <a:rPr lang="en-US" smtClean="0"/>
+              <a:t>makes </a:t>
+            </a:r>
+            <a:r>
+              <a:rPr lang="en-US" dirty="0" smtClean="0"/>
+              <a:t>a song popular on Spotify. </a:t>
             </a:r>
             <a:endParaRPr lang="en-US" dirty="0"/>
           </a:p>
